--- a/IntelliPlan.pptx
+++ b/IntelliPlan.pptx
@@ -12484,8 +12484,8 @@
         </p:nvSpPr>
         <p:spPr>
           <a:xfrm>
-            <a:off x="1592374" y="2919725"/>
-            <a:ext cx="13583400" cy="4772100"/>
+            <a:off x="1592374" y="2890625"/>
+            <a:ext cx="13583400" cy="5215500"/>
           </a:xfrm>
           <a:prstGeom prst="rect">
             <a:avLst/>
@@ -12619,6 +12619,54 @@
                 <a:cs typeface="Playfair Display"/>
                 <a:sym typeface="Playfair Display"/>
               </a:rPr>
+              <a:t>Site URL: </a:t>
+            </a:r>
+            <a:r>
+              <a:rPr lang="en-US" sz="2400" u="sng">
+                <a:solidFill>
+                  <a:schemeClr val="hlink"/>
+                </a:solidFill>
+                <a:latin typeface="Playfair Display"/>
+                <a:ea typeface="Playfair Display"/>
+                <a:cs typeface="Playfair Display"/>
+                <a:sym typeface="Playfair Display"/>
+                <a:hlinkClick r:id="rId3"/>
+              </a:rPr>
+              <a:t>https://intelliplan.aydinpramasta.me</a:t>
+            </a:r>
+            <a:endParaRPr sz="2400">
+              <a:solidFill>
+                <a:srgbClr val="0B1320"/>
+              </a:solidFill>
+              <a:latin typeface="Playfair Display"/>
+              <a:ea typeface="Playfair Display"/>
+              <a:cs typeface="Playfair Display"/>
+              <a:sym typeface="Playfair Display"/>
+            </a:endParaRPr>
+          </a:p>
+          <a:p>
+            <a:pPr indent="0" lvl="0" marL="0" marR="0" rtl="0" algn="l">
+              <a:lnSpc>
+                <a:spcPct val="119998"/>
+              </a:lnSpc>
+              <a:spcBef>
+                <a:spcPts val="0"/>
+              </a:spcBef>
+              <a:spcAft>
+                <a:spcPts val="0"/>
+              </a:spcAft>
+              <a:buNone/>
+            </a:pPr>
+            <a:r>
+              <a:rPr lang="en-US" sz="2400">
+                <a:solidFill>
+                  <a:srgbClr val="0B1320"/>
+                </a:solidFill>
+                <a:latin typeface="Playfair Display"/>
+                <a:ea typeface="Playfair Display"/>
+                <a:cs typeface="Playfair Display"/>
+                <a:sym typeface="Playfair Display"/>
+              </a:rPr>
               <a:t>Site repo: </a:t>
             </a:r>
             <a:r>
@@ -12630,7 +12678,7 @@
                 <a:ea typeface="Playfair Display"/>
                 <a:cs typeface="Playfair Display"/>
                 <a:sym typeface="Playfair Display"/>
-                <a:hlinkClick r:id="rId3"/>
+                <a:hlinkClick r:id="rId4"/>
               </a:rPr>
               <a:t>https://github.com/aydinpramasta/sevima-intelliplan</a:t>
             </a:r>
